--- a/單元5.Jenkins與Docker的CICD使用詳解 -補充.pptx
+++ b/單元5.Jenkins與Docker的CICD使用詳解 -補充.pptx
@@ -5,7 +5,7 @@
     <p:sldMasterId id="2147483648" r:id="rId1"/>
   </p:sldMasterIdLst>
   <p:notesMasterIdLst>
-    <p:notesMasterId r:id="rId44"/>
+    <p:notesMasterId r:id="rId45"/>
   </p:notesMasterIdLst>
   <p:sldIdLst>
     <p:sldId id="257" r:id="rId2"/>
@@ -42,40 +42,41 @@
     <p:sldId id="286" r:id="rId33"/>
     <p:sldId id="287" r:id="rId34"/>
     <p:sldId id="288" r:id="rId35"/>
-    <p:sldId id="292" r:id="rId36"/>
-    <p:sldId id="291" r:id="rId37"/>
-    <p:sldId id="293" r:id="rId38"/>
-    <p:sldId id="294" r:id="rId39"/>
-    <p:sldId id="295" r:id="rId40"/>
-    <p:sldId id="296" r:id="rId41"/>
-    <p:sldId id="297" r:id="rId42"/>
-    <p:sldId id="298" r:id="rId43"/>
+    <p:sldId id="299" r:id="rId36"/>
+    <p:sldId id="292" r:id="rId37"/>
+    <p:sldId id="291" r:id="rId38"/>
+    <p:sldId id="293" r:id="rId39"/>
+    <p:sldId id="294" r:id="rId40"/>
+    <p:sldId id="295" r:id="rId41"/>
+    <p:sldId id="296" r:id="rId42"/>
+    <p:sldId id="297" r:id="rId43"/>
+    <p:sldId id="298" r:id="rId44"/>
   </p:sldIdLst>
   <p:sldSz cx="9144000" cy="5143500" type="screen16x9"/>
   <p:notesSz cx="6858000" cy="9144000"/>
   <p:embeddedFontLst>
     <p:embeddedFont>
       <p:font typeface="Consolas" panose="020B0609020204030204" pitchFamily="49" charset="0"/>
-      <p:regular r:id="rId45"/>
-      <p:bold r:id="rId46"/>
-      <p:italic r:id="rId47"/>
-      <p:boldItalic r:id="rId48"/>
+      <p:regular r:id="rId46"/>
+      <p:bold r:id="rId47"/>
+      <p:italic r:id="rId48"/>
+      <p:boldItalic r:id="rId49"/>
+    </p:embeddedFont>
+    <p:embeddedFont>
+      <p:font typeface="Arial Rounded MT Bold" panose="020F0704030504030204" pitchFamily="34" charset="0"/>
+      <p:regular r:id="rId50"/>
     </p:embeddedFont>
     <p:embeddedFont>
       <p:font typeface="Play" panose="02020500000000000000" charset="0"/>
-      <p:regular r:id="rId49"/>
-      <p:bold r:id="rId50"/>
-    </p:embeddedFont>
-    <p:embeddedFont>
-      <p:font typeface="Arial Rounded MT Bold" panose="020F0704030504030204" pitchFamily="34" charset="0"/>
       <p:regular r:id="rId51"/>
+      <p:bold r:id="rId52"/>
     </p:embeddedFont>
     <p:embeddedFont>
       <p:font typeface="Trebuchet MS" panose="020B0603020202020204" pitchFamily="34" charset="0"/>
-      <p:regular r:id="rId52"/>
-      <p:bold r:id="rId53"/>
-      <p:italic r:id="rId54"/>
-      <p:boldItalic r:id="rId55"/>
+      <p:regular r:id="rId53"/>
+      <p:bold r:id="rId54"/>
+      <p:italic r:id="rId55"/>
+      <p:boldItalic r:id="rId56"/>
     </p:embeddedFont>
   </p:embeddedFontLst>
   <p:defaultTextStyle>
@@ -3672,6 +3673,11 @@
         </p:spPr>
       </p:sp>
     </p:spTree>
+    <p:extLst>
+      <p:ext uri="{BB962C8B-B14F-4D97-AF65-F5344CB8AC3E}">
+        <p14:creationId xmlns:p14="http://schemas.microsoft.com/office/powerpoint/2010/main" val="3782509242"/>
+      </p:ext>
+    </p:extLst>
   </p:cSld>
   <p:clrMapOvr>
     <a:masterClrMapping/>
@@ -4400,6 +4406,110 @@
         </p:spPr>
       </p:sp>
     </p:spTree>
+  </p:cSld>
+  <p:clrMapOvr>
+    <a:masterClrMapping/>
+  </p:clrMapOvr>
+</p:notes>
+</file>
+
+<file path=ppt/notesSlides/notesSlide41.xml><?xml version="1.0" encoding="utf-8"?>
+<p:notes xmlns:a="http://schemas.openxmlformats.org/drawingml/2006/main" xmlns:r="http://schemas.openxmlformats.org/officeDocument/2006/relationships" xmlns:p="http://schemas.openxmlformats.org/presentationml/2006/main" showMasterSp="0" showMasterPhAnim="0">
+  <p:cSld>
+    <p:spTree>
+      <p:nvGrpSpPr>
+        <p:cNvPr id="1" name="Shape 396"/>
+        <p:cNvGrpSpPr/>
+        <p:nvPr/>
+      </p:nvGrpSpPr>
+      <p:grpSpPr>
+        <a:xfrm>
+          <a:off x="0" y="0"/>
+          <a:ext cx="0" cy="0"/>
+          <a:chOff x="0" y="0"/>
+          <a:chExt cx="0" cy="0"/>
+        </a:xfrm>
+      </p:grpSpPr>
+      <p:sp>
+        <p:nvSpPr>
+          <p:cNvPr id="397" name="Google Shape;397;g3a0ca8545bc_0_152:notes"/>
+          <p:cNvSpPr txBox="1">
+            <a:spLocks noGrp="1"/>
+          </p:cNvSpPr>
+          <p:nvPr>
+            <p:ph type="body" idx="1"/>
+          </p:nvPr>
+        </p:nvSpPr>
+        <p:spPr>
+          <a:xfrm>
+            <a:off x="685800" y="4400550"/>
+            <a:ext cx="5486400" cy="3600600"/>
+          </a:xfrm>
+          <a:prstGeom prst="rect">
+            <a:avLst/>
+          </a:prstGeom>
+        </p:spPr>
+        <p:txBody>
+          <a:bodyPr spcFirstLastPara="1" wrap="square" lIns="91425" tIns="91425" rIns="91425" bIns="91425" anchor="t" anchorCtr="0">
+            <a:noAutofit/>
+          </a:bodyPr>
+          <a:lstStyle/>
+          <a:p>
+            <a:pPr marL="0" lvl="0" indent="0" algn="l" rtl="0">
+              <a:spcBef>
+                <a:spcPts val="0"/>
+              </a:spcBef>
+              <a:spcAft>
+                <a:spcPts val="0"/>
+              </a:spcAft>
+              <a:buNone/>
+            </a:pPr>
+            <a:endParaRPr/>
+          </a:p>
+        </p:txBody>
+      </p:sp>
+      <p:sp>
+        <p:nvSpPr>
+          <p:cNvPr id="398" name="Google Shape;398;g3a0ca8545bc_0_152:notes"/>
+          <p:cNvSpPr>
+            <a:spLocks noGrp="1" noRot="1" noChangeAspect="1"/>
+          </p:cNvSpPr>
+          <p:nvPr>
+            <p:ph type="sldImg" idx="2"/>
+          </p:nvPr>
+        </p:nvSpPr>
+        <p:spPr>
+          <a:xfrm>
+            <a:off x="685800" y="1143000"/>
+            <a:ext cx="5486400" cy="3086100"/>
+          </a:xfrm>
+          <a:custGeom>
+            <a:avLst/>
+            <a:gdLst/>
+            <a:ahLst/>
+            <a:cxnLst/>
+            <a:rect l="l" t="t" r="r" b="b"/>
+            <a:pathLst>
+              <a:path w="120000" h="120000" extrusionOk="0">
+                <a:moveTo>
+                  <a:pt x="0" y="0"/>
+                </a:moveTo>
+                <a:lnTo>
+                  <a:pt x="120000" y="0"/>
+                </a:lnTo>
+                <a:lnTo>
+                  <a:pt x="120000" y="120000"/>
+                </a:lnTo>
+                <a:lnTo>
+                  <a:pt x="0" y="120000"/>
+                </a:lnTo>
+                <a:close/>
+              </a:path>
+            </a:pathLst>
+          </a:custGeom>
+        </p:spPr>
+      </p:sp>
+    </p:spTree>
     <p:extLst>
       <p:ext uri="{BB962C8B-B14F-4D97-AF65-F5344CB8AC3E}">
         <p14:creationId xmlns:p14="http://schemas.microsoft.com/office/powerpoint/2010/main" val="2413428171"/>
@@ -4412,7 +4522,7 @@
 </p:notes>
 </file>
 
-<file path=ppt/notesSlides/notesSlide41.xml><?xml version="1.0" encoding="utf-8"?>
+<file path=ppt/notesSlides/notesSlide42.xml><?xml version="1.0" encoding="utf-8"?>
 <p:notes xmlns:a="http://schemas.openxmlformats.org/drawingml/2006/main" xmlns:r="http://schemas.openxmlformats.org/officeDocument/2006/relationships" xmlns:p="http://schemas.openxmlformats.org/presentationml/2006/main" showMasterSp="0" showMasterPhAnim="0">
   <p:cSld>
     <p:spTree>
@@ -20190,6 +20300,13 @@
   <p:clrMapOvr>
     <a:masterClrMapping/>
   </p:clrMapOvr>
+  <p:timing>
+    <p:tnLst>
+      <p:par>
+        <p:cTn id="1" dur="indefinite" restart="never" nodeType="tmRoot"/>
+      </p:par>
+    </p:tnLst>
+  </p:timing>
 </p:sld>
 </file>
 
@@ -20539,6 +20656,13 @@
   <p:clrMapOvr>
     <a:masterClrMapping/>
   </p:clrMapOvr>
+  <p:timing>
+    <p:tnLst>
+      <p:par>
+        <p:cTn id="1" dur="indefinite" restart="never" nodeType="tmRoot"/>
+      </p:par>
+    </p:tnLst>
+  </p:timing>
 </p:sld>
 </file>
 
@@ -21100,6 +21224,13 @@
   <p:clrMapOvr>
     <a:masterClrMapping/>
   </p:clrMapOvr>
+  <p:timing>
+    <p:tnLst>
+      <p:par>
+        <p:cTn id="1" dur="indefinite" restart="never" nodeType="tmRoot"/>
+      </p:par>
+    </p:tnLst>
+  </p:timing>
 </p:sld>
 </file>
 
@@ -21549,6 +21680,13 @@
   <p:clrMapOvr>
     <a:masterClrMapping/>
   </p:clrMapOvr>
+  <p:timing>
+    <p:tnLst>
+      <p:par>
+        <p:cTn id="1" dur="indefinite" restart="never" nodeType="tmRoot"/>
+      </p:par>
+    </p:tnLst>
+  </p:timing>
 </p:sld>
 </file>
 
@@ -21779,6 +21917,13 @@
   <p:clrMapOvr>
     <a:masterClrMapping/>
   </p:clrMapOvr>
+  <p:timing>
+    <p:tnLst>
+      <p:par>
+        <p:cTn id="1" dur="indefinite" restart="never" nodeType="tmRoot"/>
+      </p:par>
+    </p:tnLst>
+  </p:timing>
 </p:sld>
 </file>
 
@@ -22026,6 +22171,13 @@
   <p:clrMapOvr>
     <a:masterClrMapping/>
   </p:clrMapOvr>
+  <p:timing>
+    <p:tnLst>
+      <p:par>
+        <p:cTn id="1" dur="indefinite" restart="never" nodeType="tmRoot"/>
+      </p:par>
+    </p:tnLst>
+  </p:timing>
 </p:sld>
 </file>
 
@@ -22273,6 +22425,13 @@
   <p:clrMapOvr>
     <a:masterClrMapping/>
   </p:clrMapOvr>
+  <p:timing>
+    <p:tnLst>
+      <p:par>
+        <p:cTn id="1" dur="indefinite" restart="never" nodeType="tmRoot"/>
+      </p:par>
+    </p:tnLst>
+  </p:timing>
 </p:sld>
 </file>
 
@@ -22503,6 +22662,13 @@
   <p:clrMapOvr>
     <a:masterClrMapping/>
   </p:clrMapOvr>
+  <p:timing>
+    <p:tnLst>
+      <p:par>
+        <p:cTn id="1" dur="indefinite" restart="never" nodeType="tmRoot"/>
+      </p:par>
+    </p:tnLst>
+  </p:timing>
 </p:sld>
 </file>
 
@@ -22815,6 +22981,13 @@
   <p:clrMapOvr>
     <a:masterClrMapping/>
   </p:clrMapOvr>
+  <p:timing>
+    <p:tnLst>
+      <p:par>
+        <p:cTn id="1" dur="indefinite" restart="never" nodeType="tmRoot"/>
+      </p:par>
+    </p:tnLst>
+  </p:timing>
 </p:sld>
 </file>
 
@@ -23133,6 +23306,13 @@
   <p:clrMapOvr>
     <a:masterClrMapping/>
   </p:clrMapOvr>
+  <p:timing>
+    <p:tnLst>
+      <p:par>
+        <p:cTn id="1" dur="indefinite" restart="never" nodeType="tmRoot"/>
+      </p:par>
+    </p:tnLst>
+  </p:timing>
 </p:sld>
 </file>
 
@@ -24023,6 +24203,13 @@
   <p:clrMapOvr>
     <a:masterClrMapping/>
   </p:clrMapOvr>
+  <p:timing>
+    <p:tnLst>
+      <p:par>
+        <p:cTn id="1" dur="indefinite" restart="never" nodeType="tmRoot"/>
+      </p:par>
+    </p:tnLst>
+  </p:timing>
 </p:sld>
 </file>
 
@@ -25543,6 +25730,13 @@
   <p:clrMapOvr>
     <a:masterClrMapping/>
   </p:clrMapOvr>
+  <p:timing>
+    <p:tnLst>
+      <p:par>
+        <p:cTn id="1" dur="indefinite" restart="never" nodeType="tmRoot"/>
+      </p:par>
+    </p:tnLst>
+  </p:timing>
 </p:sld>
 </file>
 
@@ -28645,6 +28839,13 @@
   <p:clrMapOvr>
     <a:masterClrMapping/>
   </p:clrMapOvr>
+  <p:timing>
+    <p:tnLst>
+      <p:par>
+        <p:cTn id="1" dur="indefinite" restart="never" nodeType="tmRoot"/>
+      </p:par>
+    </p:tnLst>
+  </p:timing>
 </p:sld>
 </file>
 
@@ -28798,6 +28999,13 @@
   <p:clrMapOvr>
     <a:masterClrMapping/>
   </p:clrMapOvr>
+  <p:timing>
+    <p:tnLst>
+      <p:par>
+        <p:cTn id="1" dur="indefinite" restart="never" nodeType="tmRoot"/>
+      </p:par>
+    </p:tnLst>
+  </p:timing>
 </p:sld>
 </file>
 
@@ -28873,6 +29081,13 @@
   <p:clrMapOvr>
     <a:masterClrMapping/>
   </p:clrMapOvr>
+  <p:timing>
+    <p:tnLst>
+      <p:par>
+        <p:cTn id="1" dur="indefinite" restart="never" nodeType="tmRoot"/>
+      </p:par>
+    </p:tnLst>
+  </p:timing>
 </p:sld>
 </file>
 
@@ -31849,16 +32064,16 @@
               <a:buNone/>
             </a:pPr>
             <a:r>
-              <a:rPr lang="zh-TW" sz="3000">
+              <a:rPr lang="zh-TW" altLang="en-US" sz="3000" dirty="0" smtClean="0">
                 <a:latin typeface="Play" panose="00000500000000000000"/>
                 <a:ea typeface="Play" panose="00000500000000000000"/>
                 <a:cs typeface="Play" panose="00000500000000000000"/>
                 <a:sym typeface="Play" panose="00000500000000000000"/>
               </a:rPr>
-              <a:t>課程補充</a:t>
-            </a:r>
-            <a:r>
-              <a:rPr lang="en-US" altLang="zh-TW" sz="3000">
+              <a:t>參考資料</a:t>
+            </a:r>
+            <a:r>
+              <a:rPr lang="en-US" altLang="zh-TW" sz="3000" dirty="0" smtClean="0">
                 <a:latin typeface="Play" panose="00000500000000000000"/>
                 <a:ea typeface="Play" panose="00000500000000000000"/>
                 <a:cs typeface="Play" panose="00000500000000000000"/>
@@ -31867,22 +32082,13 @@
               <a:t>:</a:t>
             </a:r>
             <a:r>
-              <a:rPr lang="zh-TW" altLang="en-US" sz="3000">
-                <a:latin typeface="Play" panose="00000500000000000000"/>
-                <a:ea typeface="Play" panose="00000500000000000000"/>
-                <a:cs typeface="Play" panose="00000500000000000000"/>
-                <a:sym typeface="Play" panose="00000500000000000000"/>
-              </a:rPr>
-              <a:t>退版</a:t>
-            </a:r>
-            <a:r>
-              <a:rPr lang="zh-TW"/>
+              <a:rPr lang="zh-TW" dirty="0"/>
               <a:t/>
             </a:r>
             <a:br>
-              <a:rPr lang="zh-TW"/>
+              <a:rPr lang="zh-TW" dirty="0"/>
             </a:br>
-            <a:endParaRPr lang="zh-TW"/>
+            <a:endParaRPr lang="zh-TW" dirty="0"/>
           </a:p>
         </p:txBody>
       </p:sp>
@@ -31898,7 +32104,7 @@
         </p:nvSpPr>
         <p:spPr>
           <a:xfrm>
-            <a:off x="451400" y="1045405"/>
+            <a:off x="451400" y="1792800"/>
             <a:ext cx="7151100" cy="4625400"/>
           </a:xfrm>
           <a:prstGeom prst="rect">
@@ -31915,182 +32121,86 @@
           </a:bodyPr>
           <a:lstStyle/>
           <a:p>
-            <a:pPr marL="457200" lvl="0" indent="0" algn="l" rtl="0">
+            <a:pPr lvl="0" indent="0" algn="just">
+              <a:lnSpc>
+                <a:spcPct val="115000"/>
+              </a:lnSpc>
               <a:spcBef>
                 <a:spcPts val="1200"/>
               </a:spcBef>
-              <a:spcAft>
-                <a:spcPts val="900"/>
-              </a:spcAft>
-              <a:buNone/>
-            </a:pPr>
-            <a:r>
-              <a:rPr lang="zh-TW" altLang="en-US" sz="1200">
+              <a:buNone/>
+            </a:pPr>
+            <a:r>
+              <a:rPr lang="en-US" altLang="zh-TW" sz="2000" dirty="0">
                 <a:solidFill>
                   <a:schemeClr val="dk1"/>
                 </a:solidFill>
-                <a:latin typeface="Aptos"/>
-                <a:ea typeface="Aptos"/>
-                <a:cs typeface="Aptos"/>
-                <a:sym typeface="Aptos"/>
-              </a:rPr>
-              <a:t>正式站檔案有問題，除了使用</a:t>
-            </a:r>
-            <a:r>
-              <a:rPr lang="en-US" altLang="zh-TW" sz="1200">
+                <a:latin typeface="PMingLiU" panose="02020500000000000000" charset="-120"/>
+                <a:ea typeface="PMingLiU" panose="02020500000000000000" charset="-120"/>
+                <a:cs typeface="PMingLiU" panose="02020500000000000000" charset="-120"/>
+                <a:sym typeface="PMingLiU" panose="02020500000000000000" charset="-120"/>
+                <a:hlinkClick r:id="rId3"/>
+              </a:rPr>
+              <a:t>https://</a:t>
+            </a:r>
+            <a:r>
+              <a:rPr lang="en-US" altLang="zh-TW" sz="2000" dirty="0" smtClean="0">
                 <a:solidFill>
                   <a:schemeClr val="dk1"/>
                 </a:solidFill>
-                <a:latin typeface="Aptos"/>
-                <a:ea typeface="Aptos"/>
-                <a:cs typeface="Aptos"/>
-                <a:sym typeface="Aptos"/>
-              </a:rPr>
-              <a:t>GIT</a:t>
-            </a:r>
-            <a:r>
-              <a:rPr lang="zh-TW" altLang="en-US" sz="1200">
-                <a:solidFill>
-                  <a:schemeClr val="dk1"/>
-                </a:solidFill>
-                <a:latin typeface="Aptos"/>
-                <a:ea typeface="Aptos"/>
-                <a:cs typeface="Aptos"/>
-                <a:sym typeface="Aptos"/>
-              </a:rPr>
-              <a:t>退版以外，還可以用</a:t>
-            </a:r>
-            <a:r>
-              <a:rPr lang="en-US" altLang="zh-TW" sz="1200">
-                <a:solidFill>
-                  <a:schemeClr val="dk1"/>
-                </a:solidFill>
-                <a:latin typeface="Aptos"/>
-                <a:ea typeface="Aptos"/>
-                <a:cs typeface="Aptos"/>
-                <a:sym typeface="Aptos"/>
-              </a:rPr>
-              <a:t>Jenkins</a:t>
-            </a:r>
-            <a:r>
-              <a:rPr lang="zh-TW" altLang="en-US" sz="1200">
-                <a:solidFill>
-                  <a:schemeClr val="dk1"/>
-                </a:solidFill>
-                <a:latin typeface="Aptos"/>
-                <a:ea typeface="Aptos"/>
-                <a:cs typeface="Aptos"/>
-                <a:sym typeface="Aptos"/>
-              </a:rPr>
-              <a:t>先執行退版的動作</a:t>
-            </a:r>
-          </a:p>
-          <a:p>
-            <a:pPr marL="457200" lvl="0" indent="0" algn="l" rtl="0">
+                <a:latin typeface="PMingLiU" panose="02020500000000000000" charset="-120"/>
+                <a:ea typeface="PMingLiU" panose="02020500000000000000" charset="-120"/>
+                <a:cs typeface="PMingLiU" panose="02020500000000000000" charset="-120"/>
+                <a:sym typeface="PMingLiU" panose="02020500000000000000" charset="-120"/>
+                <a:hlinkClick r:id="rId3"/>
+              </a:rPr>
+              <a:t>www.youtube.com/channel/UCjguLQ886u9X-gSucGgmVFw</a:t>
+            </a:r>
+            <a:endParaRPr lang="en-US" altLang="zh-TW" sz="2000" dirty="0" smtClean="0">
+              <a:solidFill>
+                <a:schemeClr val="dk1"/>
+              </a:solidFill>
+              <a:latin typeface="PMingLiU" panose="02020500000000000000" charset="-120"/>
+              <a:ea typeface="PMingLiU" panose="02020500000000000000" charset="-120"/>
+              <a:cs typeface="PMingLiU" panose="02020500000000000000" charset="-120"/>
+              <a:sym typeface="PMingLiU" panose="02020500000000000000" charset="-120"/>
+            </a:endParaRPr>
+          </a:p>
+          <a:p>
+            <a:pPr lvl="0" indent="0" algn="just">
+              <a:lnSpc>
+                <a:spcPct val="115000"/>
+              </a:lnSpc>
               <a:spcBef>
                 <a:spcPts val="1200"/>
               </a:spcBef>
-              <a:spcAft>
-                <a:spcPts val="900"/>
-              </a:spcAft>
-              <a:buNone/>
-            </a:pPr>
-            <a:r>
-              <a:rPr lang="zh-TW" altLang="en-US" sz="1200">
-                <a:solidFill>
-                  <a:schemeClr val="dk1"/>
-                </a:solidFill>
-                <a:latin typeface="Aptos"/>
-                <a:ea typeface="Aptos"/>
-                <a:cs typeface="Aptos"/>
-                <a:sym typeface="Aptos"/>
-              </a:rPr>
-              <a:t>步驟</a:t>
-            </a:r>
-            <a:r>
-              <a:rPr lang="en-US" altLang="zh-TW" sz="1200">
-                <a:solidFill>
-                  <a:schemeClr val="dk1"/>
-                </a:solidFill>
-                <a:latin typeface="Aptos"/>
-                <a:ea typeface="Aptos"/>
-                <a:cs typeface="Aptos"/>
-                <a:sym typeface="Aptos"/>
-              </a:rPr>
-              <a:t>1. </a:t>
-            </a:r>
-            <a:r>
-              <a:rPr lang="zh-TW" altLang="en-US" sz="1200">
-                <a:solidFill>
-                  <a:schemeClr val="dk1"/>
-                </a:solidFill>
-                <a:latin typeface="Aptos"/>
-                <a:ea typeface="Aptos"/>
-                <a:cs typeface="Aptos"/>
-                <a:sym typeface="Aptos"/>
-              </a:rPr>
-              <a:t>打勾</a:t>
-            </a:r>
-            <a:r>
-              <a:rPr lang="en-US" altLang="zh-HK" sz="1200">
-                <a:solidFill>
-                  <a:schemeClr val="dk1"/>
-                </a:solidFill>
-                <a:latin typeface="Aptos"/>
-                <a:ea typeface="Aptos"/>
-                <a:cs typeface="Aptos"/>
-                <a:sym typeface="Aptos"/>
-              </a:rPr>
-              <a:t>This project is parameterized</a:t>
-            </a:r>
-          </a:p>
-          <a:p>
-            <a:pPr marL="457200" lvl="0" indent="0" algn="l" rtl="0">
+              <a:buNone/>
+            </a:pPr>
+            <a:endParaRPr lang="en-US" sz="2000" dirty="0">
+              <a:solidFill>
+                <a:schemeClr val="dk1"/>
+              </a:solidFill>
+              <a:latin typeface="PMingLiU" panose="02020500000000000000" charset="-120"/>
+              <a:ea typeface="PMingLiU" panose="02020500000000000000" charset="-120"/>
+              <a:cs typeface="Aptos"/>
+              <a:sym typeface="PMingLiU" panose="02020500000000000000" charset="-120"/>
+            </a:endParaRPr>
+          </a:p>
+          <a:p>
+            <a:pPr lvl="0" indent="0" algn="just">
+              <a:lnSpc>
+                <a:spcPct val="115000"/>
+              </a:lnSpc>
               <a:spcBef>
                 <a:spcPts val="1200"/>
               </a:spcBef>
-              <a:spcAft>
-                <a:spcPts val="900"/>
-              </a:spcAft>
-              <a:buNone/>
-            </a:pPr>
-            <a:r>
-              <a:rPr lang="en-US" altLang="zh-HK" sz="1200">
-                <a:solidFill>
-                  <a:schemeClr val="dk1"/>
-                </a:solidFill>
-                <a:latin typeface="Aptos"/>
-                <a:ea typeface="Aptos"/>
-                <a:cs typeface="Aptos"/>
-                <a:sym typeface="Aptos"/>
-              </a:rPr>
-              <a:t>           </a:t>
-            </a:r>
-            <a:r>
-              <a:rPr lang="zh-TW" altLang="en-US" sz="1200">
-                <a:solidFill>
-                  <a:schemeClr val="dk1"/>
-                </a:solidFill>
-                <a:latin typeface="Aptos"/>
-                <a:ea typeface="Aptos"/>
-                <a:cs typeface="Aptos"/>
-                <a:sym typeface="Aptos"/>
-              </a:rPr>
-              <a:t>選擇</a:t>
-            </a:r>
-            <a:r>
-              <a:rPr lang="en-US" altLang="zh-TW" sz="1200">
-                <a:solidFill>
-                  <a:schemeClr val="dk1"/>
-                </a:solidFill>
-                <a:latin typeface="Aptos"/>
-                <a:ea typeface="Aptos"/>
-                <a:cs typeface="Aptos"/>
-                <a:sym typeface="Aptos"/>
-              </a:rPr>
-              <a:t> String Parameter</a:t>
-            </a:r>
-            <a:endParaRPr lang="en-US" altLang="zh-HK" sz="1200">
+              <a:buNone/>
+            </a:pPr>
+            <a:r>
+              <a:rPr lang="zh-TW" altLang="en-US" b="1"/>
+              <a:t>上班了啊哈</a:t>
+            </a:r>
+            <a:endParaRPr sz="1200" dirty="0">
               <a:solidFill>
                 <a:schemeClr val="dk1"/>
               </a:solidFill>
@@ -32100,53 +32210,14 @@
               <a:sym typeface="Aptos"/>
             </a:endParaRPr>
           </a:p>
-          <a:p>
-            <a:pPr marL="457200" lvl="0" indent="0" algn="l" rtl="0">
-              <a:spcBef>
-                <a:spcPts val="1200"/>
-              </a:spcBef>
-              <a:spcAft>
-                <a:spcPts val="900"/>
-              </a:spcAft>
-              <a:buNone/>
-            </a:pPr>
-            <a:endParaRPr lang="en-US" altLang="zh-TW" sz="1200">
-              <a:solidFill>
-                <a:schemeClr val="dk1"/>
-              </a:solidFill>
-              <a:latin typeface="Aptos"/>
-              <a:ea typeface="Aptos"/>
-              <a:cs typeface="Aptos"/>
-              <a:sym typeface="Aptos"/>
-            </a:endParaRPr>
-          </a:p>
         </p:txBody>
       </p:sp>
-      <p:pic>
-        <p:nvPicPr>
-          <p:cNvPr id="3" name="圖片 2"/>
-          <p:cNvPicPr>
-            <a:picLocks noChangeAspect="1"/>
-          </p:cNvPicPr>
-          <p:nvPr/>
-        </p:nvPicPr>
-        <p:blipFill>
-          <a:blip r:embed="rId3"/>
-          <a:stretch>
-            <a:fillRect/>
-          </a:stretch>
-        </p:blipFill>
-        <p:spPr>
-          <a:xfrm>
-            <a:off x="3893185" y="1712595"/>
-            <a:ext cx="2979420" cy="3040380"/>
-          </a:xfrm>
-          <a:prstGeom prst="rect">
-            <a:avLst/>
-          </a:prstGeom>
-        </p:spPr>
-      </p:pic>
     </p:spTree>
+    <p:extLst>
+      <p:ext uri="{BB962C8B-B14F-4D97-AF65-F5344CB8AC3E}">
+        <p14:creationId xmlns:p14="http://schemas.microsoft.com/office/powerpoint/2010/main" val="1770432517"/>
+      </p:ext>
+    </p:extLst>
   </p:cSld>
   <p:clrMapOvr>
     <a:masterClrMapping/>
@@ -32390,7 +32461,7 @@
                 <a:cs typeface="Aptos"/>
                 <a:sym typeface="Aptos"/>
               </a:rPr>
-              <a:t>2. </a:t>
+              <a:t>1. </a:t>
             </a:r>
             <a:r>
               <a:rPr lang="zh-TW" altLang="en-US" sz="1200">
@@ -32402,10 +32473,10 @@
                 <a:cs typeface="Aptos"/>
                 <a:sym typeface="Aptos"/>
               </a:rPr>
-              <a:t>填入資料</a:t>
-            </a:r>
-            <a:r>
-              <a:rPr lang="en-US" altLang="zh-TW" sz="1200">
+              <a:t>打勾</a:t>
+            </a:r>
+            <a:r>
+              <a:rPr lang="en-US" altLang="zh-HK" sz="1200">
                 <a:solidFill>
                   <a:schemeClr val="dk1"/>
                 </a:solidFill>
@@ -32414,10 +32485,21 @@
                 <a:cs typeface="Aptos"/>
                 <a:sym typeface="Aptos"/>
               </a:rPr>
-              <a:t> Name</a:t>
-            </a:r>
-            <a:r>
-              <a:rPr lang="zh-TW" altLang="en-US" sz="1200">
+              <a:t>This project is parameterized</a:t>
+            </a:r>
+          </a:p>
+          <a:p>
+            <a:pPr marL="457200" lvl="0" indent="0" algn="l" rtl="0">
+              <a:spcBef>
+                <a:spcPts val="1200"/>
+              </a:spcBef>
+              <a:spcAft>
+                <a:spcPts val="900"/>
+              </a:spcAft>
+              <a:buNone/>
+            </a:pPr>
+            <a:r>
+              <a:rPr lang="en-US" altLang="zh-HK" sz="1200">
                 <a:solidFill>
                   <a:schemeClr val="dk1"/>
                 </a:solidFill>
@@ -32426,7 +32508,31 @@
                 <a:cs typeface="Aptos"/>
                 <a:sym typeface="Aptos"/>
               </a:rPr>
-              <a:t>可以隨意打</a:t>
+              <a:t>           </a:t>
+            </a:r>
+            <a:r>
+              <a:rPr lang="zh-TW" altLang="en-US" sz="1200">
+                <a:solidFill>
+                  <a:schemeClr val="dk1"/>
+                </a:solidFill>
+                <a:latin typeface="Aptos"/>
+                <a:ea typeface="Aptos"/>
+                <a:cs typeface="Aptos"/>
+                <a:sym typeface="Aptos"/>
+              </a:rPr>
+              <a:t>選擇</a:t>
+            </a:r>
+            <a:r>
+              <a:rPr lang="en-US" altLang="zh-TW" sz="1200">
+                <a:solidFill>
+                  <a:schemeClr val="dk1"/>
+                </a:solidFill>
+                <a:latin typeface="Aptos"/>
+                <a:ea typeface="Aptos"/>
+                <a:cs typeface="Aptos"/>
+                <a:sym typeface="Aptos"/>
+              </a:rPr>
+              <a:t> String Parameter</a:t>
             </a:r>
             <a:endParaRPr lang="en-US" altLang="zh-HK" sz="1200">
               <a:solidFill>
@@ -32462,7 +32568,7 @@
       </p:sp>
       <p:pic>
         <p:nvPicPr>
-          <p:cNvPr id="2" name="圖片 1"/>
+          <p:cNvPr id="3" name="圖片 2"/>
           <p:cNvPicPr>
             <a:picLocks noChangeAspect="1"/>
           </p:cNvPicPr>
@@ -32476,8 +32582,8 @@
         </p:blipFill>
         <p:spPr>
           <a:xfrm>
-            <a:off x="1767840" y="1946275"/>
-            <a:ext cx="6539865" cy="2823210"/>
+            <a:off x="3893185" y="1712595"/>
+            <a:ext cx="2979420" cy="3040380"/>
           </a:xfrm>
           <a:prstGeom prst="rect">
             <a:avLst/>
@@ -32560,7 +32666,7 @@
               <a:buNone/>
             </a:pPr>
             <a:r>
-              <a:rPr lang="zh-TW" sz="3000" dirty="0">
+              <a:rPr lang="zh-TW" sz="3000">
                 <a:latin typeface="Play" panose="00000500000000000000"/>
                 <a:ea typeface="Play" panose="00000500000000000000"/>
                 <a:cs typeface="Play" panose="00000500000000000000"/>
@@ -32569,7 +32675,7 @@
               <a:t>課程補充</a:t>
             </a:r>
             <a:r>
-              <a:rPr lang="en-US" altLang="zh-TW" sz="3000" dirty="0">
+              <a:rPr lang="en-US" altLang="zh-TW" sz="3000">
                 <a:latin typeface="Play" panose="00000500000000000000"/>
                 <a:ea typeface="Play" panose="00000500000000000000"/>
                 <a:cs typeface="Play" panose="00000500000000000000"/>
@@ -32578,7 +32684,7 @@
               <a:t>:</a:t>
             </a:r>
             <a:r>
-              <a:rPr lang="zh-TW" altLang="en-US" sz="3000" dirty="0">
+              <a:rPr lang="zh-TW" altLang="en-US" sz="3000">
                 <a:latin typeface="Play" panose="00000500000000000000"/>
                 <a:ea typeface="Play" panose="00000500000000000000"/>
                 <a:cs typeface="Play" panose="00000500000000000000"/>
@@ -32587,13 +32693,13 @@
               <a:t>退版</a:t>
             </a:r>
             <a:r>
-              <a:rPr lang="zh-TW" dirty="0"/>
+              <a:rPr lang="zh-TW"/>
               <a:t/>
             </a:r>
             <a:br>
-              <a:rPr lang="zh-TW" dirty="0"/>
+              <a:rPr lang="zh-TW"/>
             </a:br>
-            <a:endParaRPr lang="zh-TW" dirty="0"/>
+            <a:endParaRPr lang="zh-TW"/>
           </a:p>
         </p:txBody>
       </p:sp>
@@ -32728,7 +32834,7 @@
                 <a:cs typeface="Aptos"/>
                 <a:sym typeface="Aptos"/>
               </a:rPr>
-              <a:t>3. pipeline </a:t>
+              <a:t>2. </a:t>
             </a:r>
             <a:r>
               <a:rPr lang="zh-TW" altLang="en-US" sz="1200">
@@ -32740,21 +32846,10 @@
                 <a:cs typeface="Aptos"/>
                 <a:sym typeface="Aptos"/>
               </a:rPr>
-              <a:t>插入以下這串</a:t>
-            </a:r>
-          </a:p>
-          <a:p>
-            <a:pPr marL="457200" lvl="0" indent="0" algn="l" rtl="0">
-              <a:spcBef>
-                <a:spcPts val="1200"/>
-              </a:spcBef>
-              <a:spcAft>
-                <a:spcPts val="900"/>
-              </a:spcAft>
-              <a:buNone/>
-            </a:pPr>
-            <a:r>
-              <a:rPr lang="en-US" altLang="zh-HK" sz="1200">
+              <a:t>填入資料</a:t>
+            </a:r>
+            <a:r>
+              <a:rPr lang="en-US" altLang="zh-TW" sz="1200">
                 <a:solidFill>
                   <a:schemeClr val="dk1"/>
                 </a:solidFill>
@@ -32763,21 +32858,10 @@
                 <a:cs typeface="Aptos"/>
                 <a:sym typeface="Aptos"/>
               </a:rPr>
-              <a:t>parameters {</a:t>
-            </a:r>
-          </a:p>
-          <a:p>
-            <a:pPr marL="457200" lvl="0" indent="0" algn="l" rtl="0">
-              <a:spcBef>
-                <a:spcPts val="1200"/>
-              </a:spcBef>
-              <a:spcAft>
-                <a:spcPts val="900"/>
-              </a:spcAft>
-              <a:buNone/>
-            </a:pPr>
-            <a:r>
-              <a:rPr lang="en-US" altLang="zh-HK" sz="1200">
+              <a:t> Name</a:t>
+            </a:r>
+            <a:r>
+              <a:rPr lang="zh-TW" altLang="en-US" sz="1200">
                 <a:solidFill>
                   <a:schemeClr val="dk1"/>
                 </a:solidFill>
@@ -32786,125 +32870,7 @@
                 <a:cs typeface="Aptos"/>
                 <a:sym typeface="Aptos"/>
               </a:rPr>
-              <a:t>       string(name: 'VERSION', defaultValue: '', description: 'Git </a:t>
-            </a:r>
-            <a:r>
-              <a:rPr lang="zh-HK" altLang="en-US" sz="1200">
-                <a:solidFill>
-                  <a:schemeClr val="dk1"/>
-                </a:solidFill>
-                <a:latin typeface="Aptos"/>
-                <a:ea typeface="Aptos"/>
-                <a:cs typeface="Aptos"/>
-                <a:sym typeface="Aptos"/>
-              </a:rPr>
-              <a:t>版本（</a:t>
-            </a:r>
-            <a:r>
-              <a:rPr lang="en-US" altLang="zh-HK" sz="1200">
-                <a:solidFill>
-                  <a:schemeClr val="dk1"/>
-                </a:solidFill>
-                <a:latin typeface="Aptos"/>
-                <a:ea typeface="Aptos"/>
-                <a:cs typeface="Aptos"/>
-                <a:sym typeface="Aptos"/>
-              </a:rPr>
-              <a:t>commit id</a:t>
-            </a:r>
-            <a:r>
-              <a:rPr lang="zh-HK" altLang="en-US" sz="1200">
-                <a:solidFill>
-                  <a:schemeClr val="dk1"/>
-                </a:solidFill>
-                <a:latin typeface="Aptos"/>
-                <a:ea typeface="Aptos"/>
-                <a:cs typeface="Aptos"/>
-                <a:sym typeface="Aptos"/>
-              </a:rPr>
-              <a:t>）不輸入則抓取</a:t>
-            </a:r>
-            <a:r>
-              <a:rPr lang="en-US" altLang="zh-HK" sz="1200">
-                <a:solidFill>
-                  <a:schemeClr val="dk1"/>
-                </a:solidFill>
-                <a:latin typeface="Aptos"/>
-                <a:ea typeface="Aptos"/>
-                <a:cs typeface="Aptos"/>
-                <a:sym typeface="Aptos"/>
-              </a:rPr>
-              <a:t>	develop</a:t>
-            </a:r>
-            <a:r>
-              <a:rPr lang="zh-HK" altLang="en-US" sz="1200">
-                <a:solidFill>
-                  <a:schemeClr val="dk1"/>
-                </a:solidFill>
-                <a:latin typeface="Aptos"/>
-                <a:ea typeface="Aptos"/>
-                <a:cs typeface="Aptos"/>
-                <a:sym typeface="Aptos"/>
-              </a:rPr>
-              <a:t>最新版本</a:t>
-            </a:r>
-            <a:r>
-              <a:rPr lang="en-US" altLang="zh-HK" sz="1200">
-                <a:solidFill>
-                  <a:schemeClr val="dk1"/>
-                </a:solidFill>
-                <a:latin typeface="Aptos"/>
-                <a:ea typeface="Aptos"/>
-                <a:cs typeface="Aptos"/>
-                <a:sym typeface="Aptos"/>
-              </a:rPr>
-              <a:t>')</a:t>
-            </a:r>
-          </a:p>
-          <a:p>
-            <a:pPr marL="457200" lvl="0" indent="0" algn="l" rtl="0">
-              <a:spcBef>
-                <a:spcPts val="1200"/>
-              </a:spcBef>
-              <a:spcAft>
-                <a:spcPts val="900"/>
-              </a:spcAft>
-              <a:buNone/>
-            </a:pPr>
-            <a:r>
-              <a:rPr lang="en-US" altLang="zh-HK" sz="1200">
-                <a:solidFill>
-                  <a:schemeClr val="dk1"/>
-                </a:solidFill>
-                <a:latin typeface="Aptos"/>
-                <a:ea typeface="Aptos"/>
-                <a:cs typeface="Aptos"/>
-                <a:sym typeface="Aptos"/>
-              </a:rPr>
-              <a:t>    }</a:t>
-            </a:r>
-          </a:p>
-          <a:p>
-            <a:pPr marL="457200" lvl="0" indent="0" algn="l" rtl="0">
-              <a:spcBef>
-                <a:spcPts val="1200"/>
-              </a:spcBef>
-              <a:spcAft>
-                <a:spcPts val="900"/>
-              </a:spcAft>
-              <a:buNone/>
-            </a:pPr>
-            <a:r>
-              <a:rPr lang="zh-TW" altLang="en-US" sz="1200">
-                <a:solidFill>
-                  <a:schemeClr val="dk1"/>
-                </a:solidFill>
-                <a:latin typeface="Aptos"/>
-                <a:ea typeface="Aptos"/>
-                <a:cs typeface="Aptos"/>
-                <a:sym typeface="Aptos"/>
-              </a:rPr>
-              <a:t>要與上面設定的一樣，不然設定會跑掉</a:t>
+              <a:t>可以隨意打</a:t>
             </a:r>
             <a:endParaRPr lang="en-US" altLang="zh-HK" sz="1200">
               <a:solidFill>
@@ -32938,6 +32904,30 @@
           </a:p>
         </p:txBody>
       </p:sp>
+      <p:pic>
+        <p:nvPicPr>
+          <p:cNvPr id="2" name="圖片 1"/>
+          <p:cNvPicPr>
+            <a:picLocks noChangeAspect="1"/>
+          </p:cNvPicPr>
+          <p:nvPr/>
+        </p:nvPicPr>
+        <p:blipFill>
+          <a:blip r:embed="rId3"/>
+          <a:stretch>
+            <a:fillRect/>
+          </a:stretch>
+        </p:blipFill>
+        <p:spPr>
+          <a:xfrm>
+            <a:off x="1767840" y="1946275"/>
+            <a:ext cx="6539865" cy="2823210"/>
+          </a:xfrm>
+          <a:prstGeom prst="rect">
+            <a:avLst/>
+          </a:prstGeom>
+        </p:spPr>
+      </p:pic>
     </p:spTree>
   </p:cSld>
   <p:clrMapOvr>
@@ -33014,7 +33004,7 @@
               <a:buNone/>
             </a:pPr>
             <a:r>
-              <a:rPr lang="zh-TW" sz="3000">
+              <a:rPr lang="zh-TW" sz="3000" dirty="0">
                 <a:latin typeface="Play" panose="00000500000000000000"/>
                 <a:ea typeface="Play" panose="00000500000000000000"/>
                 <a:cs typeface="Play" panose="00000500000000000000"/>
@@ -33023,7 +33013,7 @@
               <a:t>課程補充</a:t>
             </a:r>
             <a:r>
-              <a:rPr lang="en-US" altLang="zh-TW" sz="3000">
+              <a:rPr lang="en-US" altLang="zh-TW" sz="3000" dirty="0">
                 <a:latin typeface="Play" panose="00000500000000000000"/>
                 <a:ea typeface="Play" panose="00000500000000000000"/>
                 <a:cs typeface="Play" panose="00000500000000000000"/>
@@ -33032,7 +33022,7 @@
               <a:t>:</a:t>
             </a:r>
             <a:r>
-              <a:rPr lang="zh-TW" altLang="en-US" sz="3000">
+              <a:rPr lang="zh-TW" altLang="en-US" sz="3000" dirty="0">
                 <a:latin typeface="Play" panose="00000500000000000000"/>
                 <a:ea typeface="Play" panose="00000500000000000000"/>
                 <a:cs typeface="Play" panose="00000500000000000000"/>
@@ -33041,13 +33031,13 @@
               <a:t>退版</a:t>
             </a:r>
             <a:r>
-              <a:rPr lang="zh-TW"/>
+              <a:rPr lang="zh-TW" dirty="0"/>
               <a:t/>
             </a:r>
             <a:br>
-              <a:rPr lang="zh-TW"/>
+              <a:rPr lang="zh-TW" dirty="0"/>
             </a:br>
-            <a:endParaRPr lang="zh-TW"/>
+            <a:endParaRPr lang="zh-TW" dirty="0"/>
           </a:p>
         </p:txBody>
       </p:sp>
@@ -33182,7 +33172,7 @@
                 <a:cs typeface="Aptos"/>
                 <a:sym typeface="Aptos"/>
               </a:rPr>
-              <a:t>4. </a:t>
+              <a:t>3. pipeline </a:t>
             </a:r>
             <a:r>
               <a:rPr lang="zh-TW" altLang="en-US" sz="1200">
@@ -33194,35 +33184,204 @@
                 <a:cs typeface="Aptos"/>
                 <a:sym typeface="Aptos"/>
               </a:rPr>
-              <a:t>回到上一頁</a:t>
-            </a:r>
+              <a:t>插入以下這串</a:t>
+            </a:r>
+          </a:p>
+          <a:p>
+            <a:pPr marL="457200" lvl="0" indent="0" algn="l" rtl="0">
+              <a:spcBef>
+                <a:spcPts val="1200"/>
+              </a:spcBef>
+              <a:spcAft>
+                <a:spcPts val="900"/>
+              </a:spcAft>
+              <a:buNone/>
+            </a:pPr>
+            <a:r>
+              <a:rPr lang="en-US" altLang="zh-HK" sz="1200">
+                <a:solidFill>
+                  <a:schemeClr val="dk1"/>
+                </a:solidFill>
+                <a:latin typeface="Aptos"/>
+                <a:ea typeface="Aptos"/>
+                <a:cs typeface="Aptos"/>
+                <a:sym typeface="Aptos"/>
+              </a:rPr>
+              <a:t>parameters {</a:t>
+            </a:r>
+          </a:p>
+          <a:p>
+            <a:pPr marL="457200" lvl="0" indent="0" algn="l" rtl="0">
+              <a:spcBef>
+                <a:spcPts val="1200"/>
+              </a:spcBef>
+              <a:spcAft>
+                <a:spcPts val="900"/>
+              </a:spcAft>
+              <a:buNone/>
+            </a:pPr>
+            <a:r>
+              <a:rPr lang="en-US" altLang="zh-HK" sz="1200">
+                <a:solidFill>
+                  <a:schemeClr val="dk1"/>
+                </a:solidFill>
+                <a:latin typeface="Aptos"/>
+                <a:ea typeface="Aptos"/>
+                <a:cs typeface="Aptos"/>
+                <a:sym typeface="Aptos"/>
+              </a:rPr>
+              <a:t>       string(name: 'VERSION', defaultValue: '', description: 'Git </a:t>
+            </a:r>
+            <a:r>
+              <a:rPr lang="zh-HK" altLang="en-US" sz="1200">
+                <a:solidFill>
+                  <a:schemeClr val="dk1"/>
+                </a:solidFill>
+                <a:latin typeface="Aptos"/>
+                <a:ea typeface="Aptos"/>
+                <a:cs typeface="Aptos"/>
+                <a:sym typeface="Aptos"/>
+              </a:rPr>
+              <a:t>版本（</a:t>
+            </a:r>
+            <a:r>
+              <a:rPr lang="en-US" altLang="zh-HK" sz="1200">
+                <a:solidFill>
+                  <a:schemeClr val="dk1"/>
+                </a:solidFill>
+                <a:latin typeface="Aptos"/>
+                <a:ea typeface="Aptos"/>
+                <a:cs typeface="Aptos"/>
+                <a:sym typeface="Aptos"/>
+              </a:rPr>
+              <a:t>commit id</a:t>
+            </a:r>
+            <a:r>
+              <a:rPr lang="zh-HK" altLang="en-US" sz="1200">
+                <a:solidFill>
+                  <a:schemeClr val="dk1"/>
+                </a:solidFill>
+                <a:latin typeface="Aptos"/>
+                <a:ea typeface="Aptos"/>
+                <a:cs typeface="Aptos"/>
+                <a:sym typeface="Aptos"/>
+              </a:rPr>
+              <a:t>）不輸入則抓取</a:t>
+            </a:r>
+            <a:r>
+              <a:rPr lang="en-US" altLang="zh-HK" sz="1200">
+                <a:solidFill>
+                  <a:schemeClr val="dk1"/>
+                </a:solidFill>
+                <a:latin typeface="Aptos"/>
+                <a:ea typeface="Aptos"/>
+                <a:cs typeface="Aptos"/>
+                <a:sym typeface="Aptos"/>
+              </a:rPr>
+              <a:t>	develop</a:t>
+            </a:r>
+            <a:r>
+              <a:rPr lang="zh-HK" altLang="en-US" sz="1200">
+                <a:solidFill>
+                  <a:schemeClr val="dk1"/>
+                </a:solidFill>
+                <a:latin typeface="Aptos"/>
+                <a:ea typeface="Aptos"/>
+                <a:cs typeface="Aptos"/>
+                <a:sym typeface="Aptos"/>
+              </a:rPr>
+              <a:t>最新版本</a:t>
+            </a:r>
+            <a:r>
+              <a:rPr lang="en-US" altLang="zh-HK" sz="1200">
+                <a:solidFill>
+                  <a:schemeClr val="dk1"/>
+                </a:solidFill>
+                <a:latin typeface="Aptos"/>
+                <a:ea typeface="Aptos"/>
+                <a:cs typeface="Aptos"/>
+                <a:sym typeface="Aptos"/>
+              </a:rPr>
+              <a:t>')</a:t>
+            </a:r>
+          </a:p>
+          <a:p>
+            <a:pPr marL="457200" lvl="0" indent="0" algn="l" rtl="0">
+              <a:spcBef>
+                <a:spcPts val="1200"/>
+              </a:spcBef>
+              <a:spcAft>
+                <a:spcPts val="900"/>
+              </a:spcAft>
+              <a:buNone/>
+            </a:pPr>
+            <a:r>
+              <a:rPr lang="en-US" altLang="zh-HK" sz="1200">
+                <a:solidFill>
+                  <a:schemeClr val="dk1"/>
+                </a:solidFill>
+                <a:latin typeface="Aptos"/>
+                <a:ea typeface="Aptos"/>
+                <a:cs typeface="Aptos"/>
+                <a:sym typeface="Aptos"/>
+              </a:rPr>
+              <a:t>    }</a:t>
+            </a:r>
+          </a:p>
+          <a:p>
+            <a:pPr marL="457200" lvl="0" indent="0" algn="l" rtl="0">
+              <a:spcBef>
+                <a:spcPts val="1200"/>
+              </a:spcBef>
+              <a:spcAft>
+                <a:spcPts val="900"/>
+              </a:spcAft>
+              <a:buNone/>
+            </a:pPr>
+            <a:r>
+              <a:rPr lang="zh-TW" altLang="en-US" sz="1200">
+                <a:solidFill>
+                  <a:schemeClr val="dk1"/>
+                </a:solidFill>
+                <a:latin typeface="Aptos"/>
+                <a:ea typeface="Aptos"/>
+                <a:cs typeface="Aptos"/>
+                <a:sym typeface="Aptos"/>
+              </a:rPr>
+              <a:t>要與上面設定的一樣，不然設定會跑掉</a:t>
+            </a:r>
+            <a:endParaRPr lang="en-US" altLang="zh-HK" sz="1200">
+              <a:solidFill>
+                <a:schemeClr val="dk1"/>
+              </a:solidFill>
+              <a:latin typeface="Aptos"/>
+              <a:ea typeface="Aptos"/>
+              <a:cs typeface="Aptos"/>
+              <a:sym typeface="Aptos"/>
+            </a:endParaRPr>
+          </a:p>
+          <a:p>
+            <a:pPr marL="457200" lvl="0" indent="0" algn="l" rtl="0">
+              <a:spcBef>
+                <a:spcPts val="1200"/>
+              </a:spcBef>
+              <a:spcAft>
+                <a:spcPts val="900"/>
+              </a:spcAft>
+              <a:buNone/>
+            </a:pPr>
+            <a:endParaRPr lang="en-US" altLang="zh-TW" sz="1200">
+              <a:solidFill>
+                <a:schemeClr val="dk1"/>
+              </a:solidFill>
+              <a:latin typeface="Aptos"/>
+              <a:ea typeface="Aptos"/>
+              <a:cs typeface="Aptos"/>
+              <a:sym typeface="Aptos"/>
+            </a:endParaRPr>
           </a:p>
         </p:txBody>
       </p:sp>
-      <p:pic>
-        <p:nvPicPr>
-          <p:cNvPr id="2" name="圖片 1"/>
-          <p:cNvPicPr>
-            <a:picLocks noChangeAspect="1"/>
-          </p:cNvPicPr>
-          <p:nvPr/>
-        </p:nvPicPr>
-        <p:blipFill>
-          <a:blip r:embed="rId3"/>
-          <a:stretch>
-            <a:fillRect/>
-          </a:stretch>
-        </p:blipFill>
-        <p:spPr>
-          <a:xfrm>
-            <a:off x="571500" y="1955165"/>
-            <a:ext cx="4462780" cy="1813560"/>
-          </a:xfrm>
-          <a:prstGeom prst="rect">
-            <a:avLst/>
-          </a:prstGeom>
-        </p:spPr>
-      </p:pic>
     </p:spTree>
   </p:cSld>
   <p:clrMapOvr>
@@ -33467,7 +33626,7 @@
                 <a:cs typeface="Aptos"/>
                 <a:sym typeface="Aptos"/>
               </a:rPr>
-              <a:t>5. </a:t>
+              <a:t>4. </a:t>
             </a:r>
             <a:r>
               <a:rPr lang="zh-TW" altLang="en-US" sz="1200">
@@ -33479,26 +33638,14 @@
                 <a:cs typeface="Aptos"/>
                 <a:sym typeface="Aptos"/>
               </a:rPr>
-              <a:t>查找</a:t>
-            </a:r>
-            <a:r>
-              <a:rPr lang="en-US" altLang="zh-TW" sz="1200">
-                <a:solidFill>
-                  <a:schemeClr val="dk1"/>
-                </a:solidFill>
-                <a:latin typeface="Aptos"/>
-                <a:ea typeface="Aptos"/>
-                <a:cs typeface="Aptos"/>
-                <a:sym typeface="Aptos"/>
-              </a:rPr>
-              <a:t>git revision</a:t>
+              <a:t>回到上一頁</a:t>
             </a:r>
           </a:p>
         </p:txBody>
       </p:sp>
       <p:pic>
         <p:nvPicPr>
-          <p:cNvPr id="3" name="圖片 2"/>
+          <p:cNvPr id="2" name="圖片 1"/>
           <p:cNvPicPr>
             <a:picLocks noChangeAspect="1"/>
           </p:cNvPicPr>
@@ -33512,8 +33659,8 @@
         </p:blipFill>
         <p:spPr>
           <a:xfrm>
-            <a:off x="3522980" y="1388745"/>
-            <a:ext cx="4998720" cy="3573780"/>
+            <a:off x="571500" y="1955165"/>
+            <a:ext cx="4462780" cy="1813560"/>
           </a:xfrm>
           <a:prstGeom prst="rect">
             <a:avLst/>
@@ -34205,6 +34352,13 @@
   <p:clrMapOvr>
     <a:masterClrMapping/>
   </p:clrMapOvr>
+  <p:timing>
+    <p:tnLst>
+      <p:par>
+        <p:cTn id="1" dur="indefinite" restart="never" nodeType="tmRoot"/>
+      </p:par>
+    </p:tnLst>
+  </p:timing>
 </p:sld>
 </file>
 
@@ -34345,7 +34499,7 @@
               <a:buNone/>
             </a:pPr>
             <a:r>
-              <a:rPr lang="zh-TW" altLang="en-US" sz="1200" dirty="0">
+              <a:rPr lang="zh-TW" altLang="en-US" sz="1200">
                 <a:solidFill>
                   <a:schemeClr val="dk1"/>
                 </a:solidFill>
@@ -34357,7 +34511,7 @@
               <a:t>正式站檔案有問題，除了使用</a:t>
             </a:r>
             <a:r>
-              <a:rPr lang="en-US" altLang="zh-TW" sz="1200" dirty="0">
+              <a:rPr lang="en-US" altLang="zh-TW" sz="1200">
                 <a:solidFill>
                   <a:schemeClr val="dk1"/>
                 </a:solidFill>
@@ -34369,7 +34523,7 @@
               <a:t>GIT</a:t>
             </a:r>
             <a:r>
-              <a:rPr lang="zh-TW" altLang="en-US" sz="1200" dirty="0">
+              <a:rPr lang="zh-TW" altLang="en-US" sz="1200">
                 <a:solidFill>
                   <a:schemeClr val="dk1"/>
                 </a:solidFill>
@@ -34381,7 +34535,7 @@
               <a:t>退版以外，還可以用</a:t>
             </a:r>
             <a:r>
-              <a:rPr lang="en-US" altLang="zh-TW" sz="1200" dirty="0">
+              <a:rPr lang="en-US" altLang="zh-TW" sz="1200">
                 <a:solidFill>
                   <a:schemeClr val="dk1"/>
                 </a:solidFill>
@@ -34393,7 +34547,7 @@
               <a:t>Jenkins</a:t>
             </a:r>
             <a:r>
-              <a:rPr lang="zh-TW" altLang="en-US" sz="1200" dirty="0">
+              <a:rPr lang="zh-TW" altLang="en-US" sz="1200">
                 <a:solidFill>
                   <a:schemeClr val="dk1"/>
                 </a:solidFill>
@@ -34416,7 +34570,7 @@
               <a:buNone/>
             </a:pPr>
             <a:r>
-              <a:rPr lang="zh-TW" altLang="en-US" sz="1200" dirty="0">
+              <a:rPr lang="zh-TW" altLang="en-US" sz="1200">
                 <a:solidFill>
                   <a:schemeClr val="dk1"/>
                 </a:solidFill>
@@ -34428,7 +34582,7 @@
               <a:t>步驟</a:t>
             </a:r>
             <a:r>
-              <a:rPr lang="en-US" altLang="zh-TW" sz="1200" dirty="0">
+              <a:rPr lang="en-US" altLang="zh-TW" sz="1200">
                 <a:solidFill>
                   <a:schemeClr val="dk1"/>
                 </a:solidFill>
@@ -34440,7 +34594,7 @@
               <a:t>5. </a:t>
             </a:r>
             <a:r>
-              <a:rPr lang="zh-TW" altLang="en-US" sz="1200" dirty="0">
+              <a:rPr lang="zh-TW" altLang="en-US" sz="1200">
                 <a:solidFill>
                   <a:schemeClr val="dk1"/>
                 </a:solidFill>
@@ -34449,10 +34603,10 @@
                 <a:cs typeface="Aptos"/>
                 <a:sym typeface="Aptos"/>
               </a:rPr>
-              <a:t>貼到</a:t>
-            </a:r>
-            <a:r>
-              <a:rPr lang="en-US" altLang="zh-TW" sz="1200" dirty="0">
+              <a:t>查找</a:t>
+            </a:r>
+            <a:r>
+              <a:rPr lang="en-US" altLang="zh-TW" sz="1200">
                 <a:solidFill>
                   <a:schemeClr val="dk1"/>
                 </a:solidFill>
@@ -34461,49 +34615,14 @@
                 <a:cs typeface="Aptos"/>
                 <a:sym typeface="Aptos"/>
               </a:rPr>
-              <a:t>build </a:t>
-            </a:r>
-            <a:r>
-              <a:rPr lang="zh-TW" altLang="en-US" sz="1200" dirty="0">
-                <a:solidFill>
-                  <a:schemeClr val="dk1"/>
-                </a:solidFill>
-                <a:latin typeface="Aptos"/>
-                <a:ea typeface="Aptos"/>
-                <a:cs typeface="Aptos"/>
-                <a:sym typeface="Aptos"/>
-              </a:rPr>
-              <a:t>空格，</a:t>
-            </a:r>
-          </a:p>
-          <a:p>
-            <a:pPr marL="457200" lvl="0" indent="0" algn="l" rtl="0">
-              <a:spcBef>
-                <a:spcPts val="1200"/>
-              </a:spcBef>
-              <a:spcAft>
-                <a:spcPts val="900"/>
-              </a:spcAft>
-              <a:buNone/>
-            </a:pPr>
-            <a:r>
-              <a:rPr lang="zh-TW" altLang="en-US" sz="1200" dirty="0">
-                <a:solidFill>
-                  <a:schemeClr val="dk1"/>
-                </a:solidFill>
-                <a:latin typeface="Aptos"/>
-                <a:ea typeface="Aptos"/>
-                <a:cs typeface="Aptos"/>
-                <a:sym typeface="Aptos"/>
-              </a:rPr>
-              <a:t>即可指定版本退版</a:t>
+              <a:t>git revision</a:t>
             </a:r>
           </a:p>
         </p:txBody>
       </p:sp>
       <p:pic>
         <p:nvPicPr>
-          <p:cNvPr id="4" name="圖片 3"/>
+          <p:cNvPr id="3" name="圖片 2"/>
           <p:cNvPicPr>
             <a:picLocks noChangeAspect="1"/>
           </p:cNvPicPr>
@@ -34517,8 +34636,8 @@
         </p:blipFill>
         <p:spPr>
           <a:xfrm>
-            <a:off x="3214370" y="1501775"/>
-            <a:ext cx="3741420" cy="2987040"/>
+            <a:off x="3522980" y="1388745"/>
+            <a:ext cx="4998720" cy="3573780"/>
           </a:xfrm>
           <a:prstGeom prst="rect">
             <a:avLst/>
@@ -34601,7 +34720,7 @@
               <a:buNone/>
             </a:pPr>
             <a:r>
-              <a:rPr lang="zh-TW" sz="3000" dirty="0">
+              <a:rPr lang="zh-TW" sz="3000">
                 <a:latin typeface="Play" panose="00000500000000000000"/>
                 <a:ea typeface="Play" panose="00000500000000000000"/>
                 <a:cs typeface="Play" panose="00000500000000000000"/>
@@ -34610,7 +34729,7 @@
               <a:t>課程補充</a:t>
             </a:r>
             <a:r>
-              <a:rPr lang="en-US" altLang="zh-TW" sz="3000" dirty="0" smtClean="0">
+              <a:rPr lang="en-US" altLang="zh-TW" sz="3000">
                 <a:latin typeface="Play" panose="00000500000000000000"/>
                 <a:ea typeface="Play" panose="00000500000000000000"/>
                 <a:cs typeface="Play" panose="00000500000000000000"/>
@@ -34619,22 +34738,22 @@
               <a:t>:</a:t>
             </a:r>
             <a:r>
-              <a:rPr lang="en-US" altLang="zh-TW" sz="3000" dirty="0" err="1" smtClean="0">
-                <a:latin typeface="+mj-ea"/>
-                <a:ea typeface="+mj-ea"/>
+              <a:rPr lang="zh-TW" altLang="en-US" sz="3000">
+                <a:latin typeface="Play" panose="00000500000000000000"/>
+                <a:ea typeface="Play" panose="00000500000000000000"/>
                 <a:cs typeface="Play" panose="00000500000000000000"/>
                 <a:sym typeface="Play" panose="00000500000000000000"/>
               </a:rPr>
-              <a:t>pollSCM</a:t>
-            </a:r>
-            <a:r>
-              <a:rPr lang="zh-TW" dirty="0"/>
+              <a:t>退版</a:t>
+            </a:r>
+            <a:r>
+              <a:rPr lang="zh-TW"/>
               <a:t/>
             </a:r>
             <a:br>
-              <a:rPr lang="zh-TW" dirty="0"/>
+              <a:rPr lang="zh-TW"/>
             </a:br>
-            <a:endParaRPr lang="zh-TW" dirty="0"/>
+            <a:endParaRPr lang="zh-TW"/>
           </a:p>
         </p:txBody>
       </p:sp>
@@ -34667,6 +34786,338 @@
           </a:bodyPr>
           <a:lstStyle/>
           <a:p>
+            <a:pPr marL="457200" lvl="0" indent="0" algn="l" rtl="0">
+              <a:spcBef>
+                <a:spcPts val="1200"/>
+              </a:spcBef>
+              <a:spcAft>
+                <a:spcPts val="900"/>
+              </a:spcAft>
+              <a:buNone/>
+            </a:pPr>
+            <a:r>
+              <a:rPr lang="zh-TW" altLang="en-US" sz="1200" dirty="0">
+                <a:solidFill>
+                  <a:schemeClr val="dk1"/>
+                </a:solidFill>
+                <a:latin typeface="Aptos"/>
+                <a:ea typeface="Aptos"/>
+                <a:cs typeface="Aptos"/>
+                <a:sym typeface="Aptos"/>
+              </a:rPr>
+              <a:t>正式站檔案有問題，除了使用</a:t>
+            </a:r>
+            <a:r>
+              <a:rPr lang="en-US" altLang="zh-TW" sz="1200" dirty="0">
+                <a:solidFill>
+                  <a:schemeClr val="dk1"/>
+                </a:solidFill>
+                <a:latin typeface="Aptos"/>
+                <a:ea typeface="Aptos"/>
+                <a:cs typeface="Aptos"/>
+                <a:sym typeface="Aptos"/>
+              </a:rPr>
+              <a:t>GIT</a:t>
+            </a:r>
+            <a:r>
+              <a:rPr lang="zh-TW" altLang="en-US" sz="1200" dirty="0">
+                <a:solidFill>
+                  <a:schemeClr val="dk1"/>
+                </a:solidFill>
+                <a:latin typeface="Aptos"/>
+                <a:ea typeface="Aptos"/>
+                <a:cs typeface="Aptos"/>
+                <a:sym typeface="Aptos"/>
+              </a:rPr>
+              <a:t>退版以外，還可以用</a:t>
+            </a:r>
+            <a:r>
+              <a:rPr lang="en-US" altLang="zh-TW" sz="1200" dirty="0">
+                <a:solidFill>
+                  <a:schemeClr val="dk1"/>
+                </a:solidFill>
+                <a:latin typeface="Aptos"/>
+                <a:ea typeface="Aptos"/>
+                <a:cs typeface="Aptos"/>
+                <a:sym typeface="Aptos"/>
+              </a:rPr>
+              <a:t>Jenkins</a:t>
+            </a:r>
+            <a:r>
+              <a:rPr lang="zh-TW" altLang="en-US" sz="1200" dirty="0">
+                <a:solidFill>
+                  <a:schemeClr val="dk1"/>
+                </a:solidFill>
+                <a:latin typeface="Aptos"/>
+                <a:ea typeface="Aptos"/>
+                <a:cs typeface="Aptos"/>
+                <a:sym typeface="Aptos"/>
+              </a:rPr>
+              <a:t>先執行退版的動作</a:t>
+            </a:r>
+          </a:p>
+          <a:p>
+            <a:pPr marL="457200" lvl="0" indent="0" algn="l" rtl="0">
+              <a:spcBef>
+                <a:spcPts val="1200"/>
+              </a:spcBef>
+              <a:spcAft>
+                <a:spcPts val="900"/>
+              </a:spcAft>
+              <a:buNone/>
+            </a:pPr>
+            <a:r>
+              <a:rPr lang="zh-TW" altLang="en-US" sz="1200" dirty="0">
+                <a:solidFill>
+                  <a:schemeClr val="dk1"/>
+                </a:solidFill>
+                <a:latin typeface="Aptos"/>
+                <a:ea typeface="Aptos"/>
+                <a:cs typeface="Aptos"/>
+                <a:sym typeface="Aptos"/>
+              </a:rPr>
+              <a:t>步驟</a:t>
+            </a:r>
+            <a:r>
+              <a:rPr lang="en-US" altLang="zh-TW" sz="1200" dirty="0">
+                <a:solidFill>
+                  <a:schemeClr val="dk1"/>
+                </a:solidFill>
+                <a:latin typeface="Aptos"/>
+                <a:ea typeface="Aptos"/>
+                <a:cs typeface="Aptos"/>
+                <a:sym typeface="Aptos"/>
+              </a:rPr>
+              <a:t>5. </a:t>
+            </a:r>
+            <a:r>
+              <a:rPr lang="zh-TW" altLang="en-US" sz="1200" dirty="0">
+                <a:solidFill>
+                  <a:schemeClr val="dk1"/>
+                </a:solidFill>
+                <a:latin typeface="Aptos"/>
+                <a:ea typeface="Aptos"/>
+                <a:cs typeface="Aptos"/>
+                <a:sym typeface="Aptos"/>
+              </a:rPr>
+              <a:t>貼到</a:t>
+            </a:r>
+            <a:r>
+              <a:rPr lang="en-US" altLang="zh-TW" sz="1200" dirty="0">
+                <a:solidFill>
+                  <a:schemeClr val="dk1"/>
+                </a:solidFill>
+                <a:latin typeface="Aptos"/>
+                <a:ea typeface="Aptos"/>
+                <a:cs typeface="Aptos"/>
+                <a:sym typeface="Aptos"/>
+              </a:rPr>
+              <a:t>build </a:t>
+            </a:r>
+            <a:r>
+              <a:rPr lang="zh-TW" altLang="en-US" sz="1200" dirty="0">
+                <a:solidFill>
+                  <a:schemeClr val="dk1"/>
+                </a:solidFill>
+                <a:latin typeface="Aptos"/>
+                <a:ea typeface="Aptos"/>
+                <a:cs typeface="Aptos"/>
+                <a:sym typeface="Aptos"/>
+              </a:rPr>
+              <a:t>空格，</a:t>
+            </a:r>
+          </a:p>
+          <a:p>
+            <a:pPr marL="457200" lvl="0" indent="0" algn="l" rtl="0">
+              <a:spcBef>
+                <a:spcPts val="1200"/>
+              </a:spcBef>
+              <a:spcAft>
+                <a:spcPts val="900"/>
+              </a:spcAft>
+              <a:buNone/>
+            </a:pPr>
+            <a:r>
+              <a:rPr lang="zh-TW" altLang="en-US" sz="1200" dirty="0">
+                <a:solidFill>
+                  <a:schemeClr val="dk1"/>
+                </a:solidFill>
+                <a:latin typeface="Aptos"/>
+                <a:ea typeface="Aptos"/>
+                <a:cs typeface="Aptos"/>
+                <a:sym typeface="Aptos"/>
+              </a:rPr>
+              <a:t>即可指定版本退版</a:t>
+            </a:r>
+          </a:p>
+        </p:txBody>
+      </p:sp>
+      <p:pic>
+        <p:nvPicPr>
+          <p:cNvPr id="4" name="圖片 3"/>
+          <p:cNvPicPr>
+            <a:picLocks noChangeAspect="1"/>
+          </p:cNvPicPr>
+          <p:nvPr/>
+        </p:nvPicPr>
+        <p:blipFill>
+          <a:blip r:embed="rId3"/>
+          <a:stretch>
+            <a:fillRect/>
+          </a:stretch>
+        </p:blipFill>
+        <p:spPr>
+          <a:xfrm>
+            <a:off x="3214370" y="1501775"/>
+            <a:ext cx="3741420" cy="2987040"/>
+          </a:xfrm>
+          <a:prstGeom prst="rect">
+            <a:avLst/>
+          </a:prstGeom>
+        </p:spPr>
+      </p:pic>
+    </p:spTree>
+  </p:cSld>
+  <p:clrMapOvr>
+    <a:masterClrMapping/>
+  </p:clrMapOvr>
+  <p:timing>
+    <p:tnLst>
+      <p:par>
+        <p:cTn id="1" dur="indefinite" restart="never" nodeType="tmRoot"/>
+      </p:par>
+    </p:tnLst>
+  </p:timing>
+</p:sld>
+</file>
+
+<file path=ppt/slides/slide42.xml><?xml version="1.0" encoding="utf-8"?>
+<p:sld xmlns:a="http://schemas.openxmlformats.org/drawingml/2006/main" xmlns:r="http://schemas.openxmlformats.org/officeDocument/2006/relationships" xmlns:p="http://schemas.openxmlformats.org/presentationml/2006/main">
+  <p:cSld>
+    <p:spTree>
+      <p:nvGrpSpPr>
+        <p:cNvPr id="1" name="Shape 399"/>
+        <p:cNvGrpSpPr/>
+        <p:nvPr/>
+      </p:nvGrpSpPr>
+      <p:grpSpPr>
+        <a:xfrm>
+          <a:off x="0" y="0"/>
+          <a:ext cx="0" cy="0"/>
+          <a:chOff x="0" y="0"/>
+          <a:chExt cx="0" cy="0"/>
+        </a:xfrm>
+      </p:grpSpPr>
+      <p:sp>
+        <p:nvSpPr>
+          <p:cNvPr id="400" name="Google Shape;400;p62"/>
+          <p:cNvSpPr txBox="1">
+            <a:spLocks noGrp="1"/>
+          </p:cNvSpPr>
+          <p:nvPr>
+            <p:ph type="title"/>
+          </p:nvPr>
+        </p:nvSpPr>
+        <p:spPr>
+          <a:xfrm>
+            <a:off x="508000" y="54300"/>
+            <a:ext cx="6447600" cy="990600"/>
+          </a:xfrm>
+          <a:prstGeom prst="rect">
+            <a:avLst/>
+          </a:prstGeom>
+          <a:noFill/>
+          <a:ln>
+            <a:noFill/>
+          </a:ln>
+        </p:spPr>
+        <p:txBody>
+          <a:bodyPr spcFirstLastPara="1" wrap="square" lIns="68575" tIns="34275" rIns="68575" bIns="34275" anchor="t" anchorCtr="0">
+            <a:normAutofit/>
+          </a:bodyPr>
+          <a:lstStyle/>
+          <a:p>
+            <a:pPr marL="0" lvl="0" indent="0" algn="l" rtl="0">
+              <a:spcBef>
+                <a:spcPts val="0"/>
+              </a:spcBef>
+              <a:spcAft>
+                <a:spcPts val="0"/>
+              </a:spcAft>
+              <a:buClr>
+                <a:schemeClr val="accent1"/>
+              </a:buClr>
+              <a:buSzPts val="2700"/>
+              <a:buFont typeface="Trebuchet MS" panose="020B0603020202020204"/>
+              <a:buNone/>
+            </a:pPr>
+            <a:r>
+              <a:rPr lang="zh-TW" sz="3000" dirty="0">
+                <a:latin typeface="Play" panose="00000500000000000000"/>
+                <a:ea typeface="Play" panose="00000500000000000000"/>
+                <a:cs typeface="Play" panose="00000500000000000000"/>
+                <a:sym typeface="Play" panose="00000500000000000000"/>
+              </a:rPr>
+              <a:t>課程補充</a:t>
+            </a:r>
+            <a:r>
+              <a:rPr lang="en-US" altLang="zh-TW" sz="3000" dirty="0" smtClean="0">
+                <a:latin typeface="Play" panose="00000500000000000000"/>
+                <a:ea typeface="Play" panose="00000500000000000000"/>
+                <a:cs typeface="Play" panose="00000500000000000000"/>
+                <a:sym typeface="Play" panose="00000500000000000000"/>
+              </a:rPr>
+              <a:t>:</a:t>
+            </a:r>
+            <a:r>
+              <a:rPr lang="en-US" altLang="zh-TW" sz="3000" dirty="0" err="1" smtClean="0">
+                <a:latin typeface="+mj-ea"/>
+                <a:ea typeface="+mj-ea"/>
+                <a:cs typeface="Play" panose="00000500000000000000"/>
+                <a:sym typeface="Play" panose="00000500000000000000"/>
+              </a:rPr>
+              <a:t>pollSCM</a:t>
+            </a:r>
+            <a:r>
+              <a:rPr lang="zh-TW" dirty="0"/>
+              <a:t/>
+            </a:r>
+            <a:br>
+              <a:rPr lang="zh-TW" dirty="0"/>
+            </a:br>
+            <a:endParaRPr lang="zh-TW" dirty="0"/>
+          </a:p>
+        </p:txBody>
+      </p:sp>
+      <p:sp>
+        <p:nvSpPr>
+          <p:cNvPr id="401" name="Google Shape;401;p62"/>
+          <p:cNvSpPr txBox="1">
+            <a:spLocks noGrp="1"/>
+          </p:cNvSpPr>
+          <p:nvPr>
+            <p:ph type="body" idx="1"/>
+          </p:nvPr>
+        </p:nvSpPr>
+        <p:spPr>
+          <a:xfrm>
+            <a:off x="451400" y="1045405"/>
+            <a:ext cx="7151100" cy="4625400"/>
+          </a:xfrm>
+          <a:prstGeom prst="rect">
+            <a:avLst/>
+          </a:prstGeom>
+          <a:noFill/>
+          <a:ln>
+            <a:noFill/>
+          </a:ln>
+        </p:spPr>
+        <p:txBody>
+          <a:bodyPr spcFirstLastPara="1" wrap="square" lIns="68575" tIns="34275" rIns="68575" bIns="34275" anchor="t" anchorCtr="0">
+            <a:normAutofit/>
+          </a:bodyPr>
+          <a:lstStyle/>
+          <a:p>
             <a:pPr lvl="0" indent="0">
               <a:spcBef>
                 <a:spcPts val="1200"/>
@@ -34690,15 +35141,7 @@
                 <a:cs typeface="Play" panose="00000500000000000000"/>
                 <a:sym typeface="Play" panose="00000500000000000000"/>
               </a:rPr>
-              <a:t>是排成部屬方式，優於一般手動部屬省去了進入頁面的</a:t>
-            </a:r>
-            <a:r>
-              <a:rPr lang="zh-TW" altLang="en-US" sz="1200" dirty="0" smtClean="0">
-                <a:latin typeface="Aptos"/>
-                <a:cs typeface="Play" panose="00000500000000000000"/>
-                <a:sym typeface="Play" panose="00000500000000000000"/>
-              </a:rPr>
-              <a:t>時間</a:t>
+              <a:t>是排成部屬方式，優於一般手動部屬省去了進入頁面的時間</a:t>
             </a:r>
             <a:endParaRPr lang="en-US" altLang="zh-TW" sz="1200" dirty="0" smtClean="0">
               <a:latin typeface="Aptos"/>
@@ -34854,7 +35297,7 @@
 </p:sld>
 </file>
 
-<file path=ppt/slides/slide42.xml><?xml version="1.0" encoding="utf-8"?>
+<file path=ppt/slides/slide43.xml><?xml version="1.0" encoding="utf-8"?>
 <p:sld xmlns:a="http://schemas.openxmlformats.org/drawingml/2006/main" xmlns:r="http://schemas.openxmlformats.org/officeDocument/2006/relationships" xmlns:p="http://schemas.openxmlformats.org/presentationml/2006/main">
   <p:cSld>
     <p:spTree>
@@ -35944,6 +36387,13 @@
   <p:clrMapOvr>
     <a:masterClrMapping/>
   </p:clrMapOvr>
+  <p:timing>
+    <p:tnLst>
+      <p:par>
+        <p:cTn id="1" dur="indefinite" restart="never" nodeType="tmRoot"/>
+      </p:par>
+    </p:tnLst>
+  </p:timing>
 </p:sld>
 </file>
 
@@ -36285,6 +36735,13 @@
   <p:clrMapOvr>
     <a:masterClrMapping/>
   </p:clrMapOvr>
+  <p:timing>
+    <p:tnLst>
+      <p:par>
+        <p:cTn id="1" dur="indefinite" restart="never" nodeType="tmRoot"/>
+      </p:par>
+    </p:tnLst>
+  </p:timing>
 </p:sld>
 </file>
 
@@ -36611,6 +37068,13 @@
   <p:clrMapOvr>
     <a:masterClrMapping/>
   </p:clrMapOvr>
+  <p:timing>
+    <p:tnLst>
+      <p:par>
+        <p:cTn id="1" dur="indefinite" restart="never" nodeType="tmRoot"/>
+      </p:par>
+    </p:tnLst>
+  </p:timing>
 </p:sld>
 </file>
 
